--- a/TrainingDB_NNT.pptx
+++ b/TrainingDB_NNT.pptx
@@ -9279,7 +9279,7 @@
           <a:p>
             <a:r>
               <a:rPr lang="en-US" dirty="0"/>
-              <a:t>Here the Download function it is not yet fully developed and tested. It is still in work but we want to finish it as soon as possible.</a:t>
+              <a:t>Here the Download function it is not yet fully developed and tested. It is still in work but we want to finish it as soon as possible. The idea is to have it exported as a csv file an after that you’ll be able to show the report to other people.</a:t>
             </a:r>
           </a:p>
           <a:p>
@@ -9950,15 +9950,6 @@
           <a:bodyPr/>
           <a:lstStyle/>
           <a:p>
-            <a:endParaRPr lang="en-US" dirty="0"/>
-          </a:p>
-          <a:p>
-            <a:endParaRPr lang="en-US" dirty="0"/>
-          </a:p>
-          <a:p>
-            <a:endParaRPr lang="en-US" dirty="0"/>
-          </a:p>
-          <a:p>
             <a:r>
               <a:rPr lang="en-US" dirty="0"/>
               <a:t>As you can see, our idea was to create a easy to read Webpage. Not agglomerating the pages with unnecessary buttons and strident colors , it will not stress your eyes even after 1 hour of continuous watching the screen monitor.</a:t>
@@ -9968,6 +9959,18 @@
             <a:r>
               <a:rPr lang="en-US" dirty="0"/>
               <a:t>There are simple buttons. For creating new trainings or  to delete/edit a training which is already created. </a:t>
+            </a:r>
+          </a:p>
+          <a:p>
+            <a:r>
+              <a:rPr lang="en-US" dirty="0"/>
+              <a:t>We also added a Login/Logout button and only the users that are added in the database cand access it. You cannot access the other pages until you’ve logged in in your account. If you try to access other pages, it will not matter because you’ll be pushed to the login page.</a:t>
+            </a:r>
+          </a:p>
+          <a:p>
+            <a:r>
+              <a:rPr lang="en-US" dirty="0"/>
+              <a:t>As a short mention is that the passwords are hashed for improved security.</a:t>
             </a:r>
           </a:p>
           <a:p>
@@ -10224,7 +10227,7 @@
           <a:p>
             <a:r>
               <a:rPr lang="en-US" dirty="0"/>
-              <a:t>The Analytics page has 2 functions. One for filtering through the trainings and the other one to download the report of the filter search.</a:t>
+              <a:t>The Analytics page has 2 functions. One for filtering through the trainings and the other one to download the report of the filter search. As you can see the filtering can be on multiple criteria. By training names, by trainers name and by trainee names. Multiple names cand be added for a more exact search.</a:t>
             </a:r>
           </a:p>
           <a:p>
@@ -10254,8 +10257,8 @@
         </p:blipFill>
         <p:spPr>
           <a:xfrm>
-            <a:off x="384313" y="1162977"/>
-            <a:ext cx="11090274" cy="5355630"/>
+            <a:off x="847288" y="1642827"/>
+            <a:ext cx="10291739" cy="4970008"/>
           </a:xfrm>
           <a:prstGeom prst="rect">
             <a:avLst/>
